--- a/Lectures/(6) Structuring & Modeling Data.pptx
+++ b/Lectures/(6) Structuring & Modeling Data.pptx
@@ -5,7 +5,7 @@
     <p:sldMasterId id="2147483672" r:id="rId1"/>
   </p:sldMasterIdLst>
   <p:notesMasterIdLst>
-    <p:notesMasterId r:id="rId16"/>
+    <p:notesMasterId r:id="rId17"/>
   </p:notesMasterIdLst>
   <p:sldIdLst>
     <p:sldId id="256" r:id="rId2"/>
@@ -15,37 +15,38 @@
     <p:sldId id="261" r:id="rId6"/>
     <p:sldId id="262" r:id="rId7"/>
     <p:sldId id="263" r:id="rId8"/>
-    <p:sldId id="264" r:id="rId9"/>
+    <p:sldId id="273" r:id="rId9"/>
     <p:sldId id="265" r:id="rId10"/>
     <p:sldId id="266" r:id="rId11"/>
     <p:sldId id="267" r:id="rId12"/>
     <p:sldId id="268" r:id="rId13"/>
     <p:sldId id="269" r:id="rId14"/>
-    <p:sldId id="271" r:id="rId15"/>
+    <p:sldId id="274" r:id="rId15"/>
+    <p:sldId id="271" r:id="rId16"/>
   </p:sldIdLst>
   <p:sldSz cx="12192000" cy="6858000"/>
   <p:notesSz cx="6858000" cy="9144000"/>
   <p:embeddedFontLst>
     <p:embeddedFont>
       <p:font typeface="Calibri" panose="020F0502020204030204" pitchFamily="34" charset="0"/>
-      <p:regular r:id="rId17"/>
-      <p:bold r:id="rId18"/>
-      <p:italic r:id="rId19"/>
-      <p:boldItalic r:id="rId20"/>
+      <p:regular r:id="rId18"/>
+      <p:bold r:id="rId19"/>
+      <p:italic r:id="rId20"/>
+      <p:boldItalic r:id="rId21"/>
     </p:embeddedFont>
     <p:embeddedFont>
       <p:font typeface="Lato" panose="020B0604020202020204" charset="0"/>
-      <p:regular r:id="rId21"/>
-      <p:bold r:id="rId22"/>
-      <p:italic r:id="rId23"/>
-      <p:boldItalic r:id="rId24"/>
+      <p:regular r:id="rId22"/>
+      <p:bold r:id="rId23"/>
+      <p:italic r:id="rId24"/>
+      <p:boldItalic r:id="rId25"/>
     </p:embeddedFont>
     <p:embeddedFont>
       <p:font typeface="Raleway" panose="020B0604020202020204" charset="0"/>
-      <p:regular r:id="rId25"/>
-      <p:bold r:id="rId26"/>
-      <p:italic r:id="rId27"/>
-      <p:boldItalic r:id="rId28"/>
+      <p:regular r:id="rId26"/>
+      <p:bold r:id="rId27"/>
+      <p:italic r:id="rId28"/>
+      <p:boldItalic r:id="rId29"/>
     </p:embeddedFont>
   </p:embeddedFontLst>
   <p:defaultTextStyle>
@@ -2082,16 +2083,218 @@
           </a:bodyPr>
           <a:lstStyle/>
           <a:p>
-            <a:pPr marL="0" lvl="0" indent="0" algn="l" rtl="0">
-              <a:spcBef>
-                <a:spcPts val="0"/>
-              </a:spcBef>
-              <a:spcAft>
-                <a:spcPts val="0"/>
-              </a:spcAft>
-              <a:buNone/>
-            </a:pPr>
-            <a:endParaRPr/>
+            <a:r>
+              <a:rPr lang="en-US" sz="1200" b="0" i="0" u="none" strike="noStrike" cap="none" dirty="0">
+                <a:solidFill>
+                  <a:schemeClr val="dk1"/>
+                </a:solidFill>
+                <a:effectLst/>
+                <a:latin typeface="Calibri"/>
+                <a:ea typeface="Calibri"/>
+                <a:cs typeface="Calibri"/>
+                <a:sym typeface="Calibri"/>
+              </a:rPr>
+              <a:t>What is difference between OLAP and OLTP?</a:t>
+            </a:r>
+          </a:p>
+          <a:p>
+            <a:r>
+              <a:rPr lang="en-US" sz="1200" b="1" i="0" u="none" strike="noStrike" cap="none" dirty="0">
+                <a:solidFill>
+                  <a:schemeClr val="dk1"/>
+                </a:solidFill>
+                <a:effectLst/>
+                <a:latin typeface="Calibri"/>
+                <a:ea typeface="Calibri"/>
+                <a:cs typeface="Calibri"/>
+                <a:sym typeface="Calibri"/>
+              </a:rPr>
+              <a:t>OLTP</a:t>
+            </a:r>
+            <a:r>
+              <a:rPr lang="en-US" sz="1200" b="0" i="0" u="none" strike="noStrike" cap="none" dirty="0">
+                <a:solidFill>
+                  <a:schemeClr val="dk1"/>
+                </a:solidFill>
+                <a:effectLst/>
+                <a:latin typeface="Calibri"/>
+                <a:ea typeface="Calibri"/>
+                <a:cs typeface="Calibri"/>
+                <a:sym typeface="Calibri"/>
+              </a:rPr>
+              <a:t> is a transactional processing while </a:t>
+            </a:r>
+            <a:r>
+              <a:rPr lang="en-US" sz="1200" b="1" i="0" u="none" strike="noStrike" cap="none" dirty="0">
+                <a:solidFill>
+                  <a:schemeClr val="dk1"/>
+                </a:solidFill>
+                <a:effectLst/>
+                <a:latin typeface="Calibri"/>
+                <a:ea typeface="Calibri"/>
+                <a:cs typeface="Calibri"/>
+                <a:sym typeface="Calibri"/>
+              </a:rPr>
+              <a:t>OLAP</a:t>
+            </a:r>
+            <a:r>
+              <a:rPr lang="en-US" sz="1200" b="0" i="0" u="none" strike="noStrike" cap="none" dirty="0">
+                <a:solidFill>
+                  <a:schemeClr val="dk1"/>
+                </a:solidFill>
+                <a:effectLst/>
+                <a:latin typeface="Calibri"/>
+                <a:ea typeface="Calibri"/>
+                <a:cs typeface="Calibri"/>
+                <a:sym typeface="Calibri"/>
+              </a:rPr>
+              <a:t> is an analytical processing system. </a:t>
+            </a:r>
+            <a:r>
+              <a:rPr lang="en-US" sz="1200" b="0" i="0" u="none" strike="noStrike" cap="none">
+                <a:solidFill>
+                  <a:schemeClr val="dk1"/>
+                </a:solidFill>
+                <a:effectLst/>
+                <a:latin typeface="Calibri"/>
+                <a:ea typeface="Calibri"/>
+                <a:cs typeface="Calibri"/>
+                <a:sym typeface="Calibri"/>
+              </a:rPr>
+              <a:t>... </a:t>
+            </a:r>
+          </a:p>
+          <a:p>
+            <a:r>
+              <a:rPr lang="en-US" sz="1200" b="0" i="0" u="none" strike="noStrike" cap="none">
+                <a:solidFill>
+                  <a:schemeClr val="dk1"/>
+                </a:solidFill>
+                <a:effectLst/>
+                <a:latin typeface="Calibri"/>
+                <a:ea typeface="Calibri"/>
+                <a:cs typeface="Calibri"/>
+                <a:sym typeface="Calibri"/>
+              </a:rPr>
+              <a:t>The </a:t>
+            </a:r>
+            <a:r>
+              <a:rPr lang="en-US" sz="1200" b="0" i="0" u="none" strike="noStrike" cap="none" dirty="0">
+                <a:solidFill>
+                  <a:schemeClr val="dk1"/>
+                </a:solidFill>
+                <a:effectLst/>
+                <a:latin typeface="Calibri"/>
+                <a:ea typeface="Calibri"/>
+                <a:cs typeface="Calibri"/>
+                <a:sym typeface="Calibri"/>
+              </a:rPr>
+              <a:t>basic </a:t>
+            </a:r>
+            <a:r>
+              <a:rPr lang="en-US" sz="1200" b="1" i="0" u="none" strike="noStrike" cap="none" dirty="0">
+                <a:solidFill>
+                  <a:schemeClr val="dk1"/>
+                </a:solidFill>
+                <a:effectLst/>
+                <a:latin typeface="Calibri"/>
+                <a:ea typeface="Calibri"/>
+                <a:cs typeface="Calibri"/>
+                <a:sym typeface="Calibri"/>
+              </a:rPr>
+              <a:t>difference between OLTP</a:t>
+            </a:r>
+            <a:r>
+              <a:rPr lang="en-US" sz="1200" b="0" i="0" u="none" strike="noStrike" cap="none" dirty="0">
+                <a:solidFill>
+                  <a:schemeClr val="dk1"/>
+                </a:solidFill>
+                <a:effectLst/>
+                <a:latin typeface="Calibri"/>
+                <a:ea typeface="Calibri"/>
+                <a:cs typeface="Calibri"/>
+                <a:sym typeface="Calibri"/>
+              </a:rPr>
+              <a:t> and </a:t>
+            </a:r>
+            <a:r>
+              <a:rPr lang="en-US" sz="1200" b="1" i="0" u="none" strike="noStrike" cap="none" dirty="0">
+                <a:solidFill>
+                  <a:schemeClr val="dk1"/>
+                </a:solidFill>
+                <a:effectLst/>
+                <a:latin typeface="Calibri"/>
+                <a:ea typeface="Calibri"/>
+                <a:cs typeface="Calibri"/>
+                <a:sym typeface="Calibri"/>
+              </a:rPr>
+              <a:t>OLAP</a:t>
+            </a:r>
+            <a:r>
+              <a:rPr lang="en-US" sz="1200" b="0" i="0" u="none" strike="noStrike" cap="none" dirty="0">
+                <a:solidFill>
+                  <a:schemeClr val="dk1"/>
+                </a:solidFill>
+                <a:effectLst/>
+                <a:latin typeface="Calibri"/>
+                <a:ea typeface="Calibri"/>
+                <a:cs typeface="Calibri"/>
+                <a:sym typeface="Calibri"/>
+              </a:rPr>
+              <a:t> is that </a:t>
+            </a:r>
+            <a:r>
+              <a:rPr lang="en-US" sz="1200" b="1" i="0" u="none" strike="noStrike" cap="none" dirty="0">
+                <a:solidFill>
+                  <a:schemeClr val="dk1"/>
+                </a:solidFill>
+                <a:effectLst/>
+                <a:latin typeface="Calibri"/>
+                <a:ea typeface="Calibri"/>
+                <a:cs typeface="Calibri"/>
+                <a:sym typeface="Calibri"/>
+              </a:rPr>
+              <a:t>OLTP</a:t>
+            </a:r>
+            <a:r>
+              <a:rPr lang="en-US" sz="1200" b="0" i="0" u="none" strike="noStrike" cap="none" dirty="0">
+                <a:solidFill>
+                  <a:schemeClr val="dk1"/>
+                </a:solidFill>
+                <a:effectLst/>
+                <a:latin typeface="Calibri"/>
+                <a:ea typeface="Calibri"/>
+                <a:cs typeface="Calibri"/>
+                <a:sym typeface="Calibri"/>
+              </a:rPr>
+              <a:t> is an online database modifying system, whereas, </a:t>
+            </a:r>
+            <a:r>
+              <a:rPr lang="en-US" sz="1200" b="1" i="0" u="none" strike="noStrike" cap="none" dirty="0">
+                <a:solidFill>
+                  <a:schemeClr val="dk1"/>
+                </a:solidFill>
+                <a:effectLst/>
+                <a:latin typeface="Calibri"/>
+                <a:ea typeface="Calibri"/>
+                <a:cs typeface="Calibri"/>
+                <a:sym typeface="Calibri"/>
+              </a:rPr>
+              <a:t>OLAP</a:t>
+            </a:r>
+            <a:r>
+              <a:rPr lang="en-US" sz="1200" b="0" i="0" u="none" strike="noStrike" cap="none" dirty="0">
+                <a:solidFill>
+                  <a:schemeClr val="dk1"/>
+                </a:solidFill>
+                <a:effectLst/>
+                <a:latin typeface="Calibri"/>
+                <a:ea typeface="Calibri"/>
+                <a:cs typeface="Calibri"/>
+                <a:sym typeface="Calibri"/>
+              </a:rPr>
+              <a:t> is an online database query answering system.</a:t>
+            </a:r>
           </a:p>
         </p:txBody>
       </p:sp>
@@ -2145,6 +2348,255 @@
 </file>
 
 <file path=ppt/notesSlides/notesSlide14.xml><?xml version="1.0" encoding="utf-8"?>
+<p:notes xmlns:a="http://schemas.openxmlformats.org/drawingml/2006/main" xmlns:r="http://schemas.openxmlformats.org/officeDocument/2006/relationships" xmlns:p="http://schemas.openxmlformats.org/presentationml/2006/main" showMasterSp="0" showMasterPhAnim="0">
+  <p:cSld>
+    <p:spTree>
+      <p:nvGrpSpPr>
+        <p:cNvPr id="1" name="Shape 294"/>
+        <p:cNvGrpSpPr/>
+        <p:nvPr/>
+      </p:nvGrpSpPr>
+      <p:grpSpPr>
+        <a:xfrm>
+          <a:off x="0" y="0"/>
+          <a:ext cx="0" cy="0"/>
+          <a:chOff x="0" y="0"/>
+          <a:chExt cx="0" cy="0"/>
+        </a:xfrm>
+      </p:grpSpPr>
+      <p:sp>
+        <p:nvSpPr>
+          <p:cNvPr id="295" name="Google Shape;295;g501fb7fb40_0_6:notes"/>
+          <p:cNvSpPr txBox="1">
+            <a:spLocks noGrp="1"/>
+          </p:cNvSpPr>
+          <p:nvPr>
+            <p:ph type="body" idx="1"/>
+          </p:nvPr>
+        </p:nvSpPr>
+        <p:spPr>
+          <a:xfrm>
+            <a:off x="685800" y="4400550"/>
+            <a:ext cx="5486400" cy="3600600"/>
+          </a:xfrm>
+          <a:prstGeom prst="rect">
+            <a:avLst/>
+          </a:prstGeom>
+        </p:spPr>
+        <p:txBody>
+          <a:bodyPr spcFirstLastPara="1" wrap="square" lIns="91425" tIns="45700" rIns="91425" bIns="45700" anchor="t" anchorCtr="0">
+            <a:noAutofit/>
+          </a:bodyPr>
+          <a:lstStyle/>
+          <a:p>
+            <a:pPr fontAlgn="base"/>
+            <a:r>
+              <a:rPr lang="en-US" sz="1200" b="0" i="0" u="none" strike="noStrike" cap="none" dirty="0">
+                <a:solidFill>
+                  <a:schemeClr val="dk1"/>
+                </a:solidFill>
+                <a:effectLst/>
+                <a:latin typeface="Calibri"/>
+                <a:ea typeface="Calibri"/>
+                <a:cs typeface="Calibri"/>
+                <a:sym typeface="Calibri"/>
+              </a:rPr>
+              <a:t>One of the best example databases out there is the </a:t>
+            </a:r>
+            <a:r>
+              <a:rPr lang="en-US" sz="1200" b="0" i="0" u="none" strike="noStrike" cap="none" dirty="0" err="1">
+                <a:solidFill>
+                  <a:schemeClr val="dk1"/>
+                </a:solidFill>
+                <a:effectLst/>
+                <a:latin typeface="Calibri"/>
+                <a:ea typeface="Calibri"/>
+                <a:cs typeface="Calibri"/>
+                <a:sym typeface="Calibri"/>
+                <a:hlinkClick r:id="rId3"/>
+              </a:rPr>
+              <a:t>Sakila</a:t>
+            </a:r>
+            <a:r>
+              <a:rPr lang="en-US" sz="1200" b="0" i="0" u="none" strike="noStrike" cap="none" dirty="0">
+                <a:solidFill>
+                  <a:schemeClr val="dk1"/>
+                </a:solidFill>
+                <a:effectLst/>
+                <a:latin typeface="Calibri"/>
+                <a:ea typeface="Calibri"/>
+                <a:cs typeface="Calibri"/>
+                <a:sym typeface="Calibri"/>
+                <a:hlinkClick r:id="rId3"/>
+              </a:rPr>
+              <a:t> Database</a:t>
+            </a:r>
+            <a:r>
+              <a:rPr lang="en-US" sz="1200" b="0" i="0" u="none" strike="noStrike" cap="none" dirty="0">
+                <a:solidFill>
+                  <a:schemeClr val="dk1"/>
+                </a:solidFill>
+                <a:effectLst/>
+                <a:latin typeface="Calibri"/>
+                <a:ea typeface="Calibri"/>
+                <a:cs typeface="Calibri"/>
+                <a:sym typeface="Calibri"/>
+              </a:rPr>
+              <a:t>, which was originally created by MySQL and has been open sourced under the terms of the </a:t>
+            </a:r>
+            <a:r>
+              <a:rPr lang="en-US" sz="1200" b="0" i="0" u="none" strike="noStrike" cap="none" dirty="0">
+                <a:solidFill>
+                  <a:schemeClr val="dk1"/>
+                </a:solidFill>
+                <a:effectLst/>
+                <a:latin typeface="Calibri"/>
+                <a:ea typeface="Calibri"/>
+                <a:cs typeface="Calibri"/>
+                <a:sym typeface="Calibri"/>
+                <a:hlinkClick r:id="rId4"/>
+              </a:rPr>
+              <a:t>BSD License</a:t>
+            </a:r>
+            <a:r>
+              <a:rPr lang="en-US" sz="1200" b="0" i="0" u="none" strike="noStrike" cap="none" dirty="0">
+                <a:solidFill>
+                  <a:schemeClr val="dk1"/>
+                </a:solidFill>
+                <a:effectLst/>
+                <a:latin typeface="Calibri"/>
+                <a:ea typeface="Calibri"/>
+                <a:cs typeface="Calibri"/>
+                <a:sym typeface="Calibri"/>
+              </a:rPr>
+              <a:t>.</a:t>
+            </a:r>
+          </a:p>
+          <a:p>
+            <a:pPr fontAlgn="base"/>
+            <a:r>
+              <a:rPr lang="en-US" sz="1200" b="0" i="0" u="none" strike="noStrike" cap="none" dirty="0">
+                <a:solidFill>
+                  <a:schemeClr val="dk1"/>
+                </a:solidFill>
+                <a:effectLst/>
+                <a:latin typeface="Calibri"/>
+                <a:ea typeface="Calibri"/>
+                <a:cs typeface="Calibri"/>
+                <a:sym typeface="Calibri"/>
+              </a:rPr>
+              <a:t>The </a:t>
+            </a:r>
+            <a:r>
+              <a:rPr lang="en-US" sz="1200" b="0" i="0" u="none" strike="noStrike" cap="none" dirty="0" err="1">
+                <a:solidFill>
+                  <a:schemeClr val="dk1"/>
+                </a:solidFill>
+                <a:effectLst/>
+                <a:latin typeface="Calibri"/>
+                <a:ea typeface="Calibri"/>
+                <a:cs typeface="Calibri"/>
+                <a:sym typeface="Calibri"/>
+              </a:rPr>
+              <a:t>Sakila</a:t>
+            </a:r>
+            <a:r>
+              <a:rPr lang="en-US" sz="1200" b="0" i="0" u="none" strike="noStrike" cap="none" dirty="0">
+                <a:solidFill>
+                  <a:schemeClr val="dk1"/>
+                </a:solidFill>
+                <a:effectLst/>
+                <a:latin typeface="Calibri"/>
+                <a:ea typeface="Calibri"/>
+                <a:cs typeface="Calibri"/>
+                <a:sym typeface="Calibri"/>
+              </a:rPr>
+              <a:t> database is a nicely </a:t>
+            </a:r>
+            <a:r>
+              <a:rPr lang="en-US" sz="1200" b="0" i="0" u="none" strike="noStrike" cap="none" dirty="0" err="1">
+                <a:solidFill>
+                  <a:schemeClr val="dk1"/>
+                </a:solidFill>
+                <a:effectLst/>
+                <a:latin typeface="Calibri"/>
+                <a:ea typeface="Calibri"/>
+                <a:cs typeface="Calibri"/>
+                <a:sym typeface="Calibri"/>
+              </a:rPr>
+              <a:t>normalised</a:t>
+            </a:r>
+            <a:r>
+              <a:rPr lang="en-US" sz="1200" b="0" i="0" u="none" strike="noStrike" cap="none" dirty="0">
+                <a:solidFill>
+                  <a:schemeClr val="dk1"/>
+                </a:solidFill>
+                <a:effectLst/>
+                <a:latin typeface="Calibri"/>
+                <a:ea typeface="Calibri"/>
+                <a:cs typeface="Calibri"/>
+                <a:sym typeface="Calibri"/>
+              </a:rPr>
+              <a:t> schema modelling a DVD rental store, featuring things like films, actors, film-actor relationships, and a central inventory table that connects films, stores, and rentals.</a:t>
+            </a:r>
+          </a:p>
+        </p:txBody>
+      </p:sp>
+      <p:sp>
+        <p:nvSpPr>
+          <p:cNvPr id="296" name="Google Shape;296;g501fb7fb40_0_6:notes"/>
+          <p:cNvSpPr>
+            <a:spLocks noGrp="1" noRot="1" noChangeAspect="1"/>
+          </p:cNvSpPr>
+          <p:nvPr>
+            <p:ph type="sldImg" idx="2"/>
+          </p:nvPr>
+        </p:nvSpPr>
+        <p:spPr>
+          <a:xfrm>
+            <a:off x="685800" y="1143000"/>
+            <a:ext cx="5486400" cy="3086100"/>
+          </a:xfrm>
+          <a:custGeom>
+            <a:avLst/>
+            <a:gdLst/>
+            <a:ahLst/>
+            <a:cxnLst/>
+            <a:rect l="l" t="t" r="r" b="b"/>
+            <a:pathLst>
+              <a:path w="120000" h="120000" extrusionOk="0">
+                <a:moveTo>
+                  <a:pt x="0" y="0"/>
+                </a:moveTo>
+                <a:lnTo>
+                  <a:pt x="120000" y="0"/>
+                </a:lnTo>
+                <a:lnTo>
+                  <a:pt x="120000" y="120000"/>
+                </a:lnTo>
+                <a:lnTo>
+                  <a:pt x="0" y="120000"/>
+                </a:lnTo>
+                <a:close/>
+              </a:path>
+            </a:pathLst>
+          </a:custGeom>
+        </p:spPr>
+      </p:sp>
+    </p:spTree>
+    <p:extLst>
+      <p:ext uri="{BB962C8B-B14F-4D97-AF65-F5344CB8AC3E}">
+        <p14:creationId xmlns:p14="http://schemas.microsoft.com/office/powerpoint/2010/main" val="1451566904"/>
+      </p:ext>
+    </p:extLst>
+  </p:cSld>
+  <p:clrMapOvr>
+    <a:masterClrMapping/>
+  </p:clrMapOvr>
+</p:notes>
+</file>
+
+<file path=ppt/notesSlides/notesSlide15.xml><?xml version="1.0" encoding="utf-8"?>
 <p:notes xmlns:a="http://schemas.openxmlformats.org/drawingml/2006/main" xmlns:r="http://schemas.openxmlformats.org/officeDocument/2006/relationships" xmlns:p="http://schemas.openxmlformats.org/presentationml/2006/main" showMasterSp="0" showMasterPhAnim="0">
   <p:cSld>
     <p:spTree>
@@ -2750,10 +3202,98 @@
               <a:buNone/>
             </a:pPr>
             <a:r>
-              <a:rPr lang="en-US"/>
+              <a:rPr lang="en-US" dirty="0"/>
               <a:t>Relationship:   OLTP = Source for OLAP </a:t>
             </a:r>
-            <a:endParaRPr/>
+          </a:p>
+          <a:p>
+            <a:pPr marL="0" lvl="0" indent="0" algn="l" rtl="0">
+              <a:spcBef>
+                <a:spcPts val="0"/>
+              </a:spcBef>
+              <a:spcAft>
+                <a:spcPts val="0"/>
+              </a:spcAft>
+              <a:buNone/>
+            </a:pPr>
+            <a:endParaRPr lang="en-US" dirty="0"/>
+          </a:p>
+          <a:p>
+            <a:pPr marL="0" lvl="0" indent="0" algn="l" rtl="0">
+              <a:spcBef>
+                <a:spcPts val="0"/>
+              </a:spcBef>
+              <a:spcAft>
+                <a:spcPts val="0"/>
+              </a:spcAft>
+              <a:buNone/>
+            </a:pPr>
+            <a:r>
+              <a:rPr lang="en-US" dirty="0"/>
+              <a:t>Definition:  </a:t>
+            </a:r>
+            <a:r>
+              <a:rPr lang="en-US" dirty="0">
+                <a:hlinkClick r:id="rId3"/>
+              </a:rPr>
+              <a:t>https://database.guide/what-is-oltp/#:~:text=OLTP%20(Online%20Transactional%20Processing)%20is,a%20large%20number%20of%20users.</a:t>
+            </a:r>
+            <a:endParaRPr lang="en-US" dirty="0"/>
+          </a:p>
+          <a:p>
+            <a:r>
+              <a:rPr lang="en-US" sz="1200" b="0" i="1" u="none" strike="noStrike" cap="none" dirty="0">
+                <a:solidFill>
+                  <a:schemeClr val="dk1"/>
+                </a:solidFill>
+                <a:effectLst/>
+                <a:latin typeface="Calibri"/>
+                <a:ea typeface="Calibri"/>
+                <a:cs typeface="Calibri"/>
+                <a:sym typeface="Calibri"/>
+              </a:rPr>
+              <a:t>OLTP</a:t>
+            </a:r>
+            <a:r>
+              <a:rPr lang="en-US" sz="1200" b="0" i="0" u="none" strike="noStrike" cap="none" dirty="0">
+                <a:solidFill>
+                  <a:schemeClr val="dk1"/>
+                </a:solidFill>
+                <a:effectLst/>
+                <a:latin typeface="Calibri"/>
+                <a:ea typeface="Calibri"/>
+                <a:cs typeface="Calibri"/>
+                <a:sym typeface="Calibri"/>
+              </a:rPr>
+              <a:t> (Online Transactional Processing) is a category of data processing that is focused on transaction-oriented tasks. OLTP typically involves inserting, updating, and/or deleting small amounts of data in a database.</a:t>
+            </a:r>
+          </a:p>
+          <a:p>
+            <a:r>
+              <a:rPr lang="en-US" sz="1200" b="0" i="0" u="none" strike="noStrike" cap="none" dirty="0">
+                <a:solidFill>
+                  <a:schemeClr val="dk1"/>
+                </a:solidFill>
+                <a:effectLst/>
+                <a:latin typeface="Calibri"/>
+                <a:ea typeface="Calibri"/>
+                <a:cs typeface="Calibri"/>
+                <a:sym typeface="Calibri"/>
+              </a:rPr>
+              <a:t>OLTP mainly deals with large numbers of transactions by a large number of users.</a:t>
+            </a:r>
+          </a:p>
+          <a:p>
+            <a:pPr marL="0" lvl="0" indent="0" algn="l" rtl="0">
+              <a:spcBef>
+                <a:spcPts val="0"/>
+              </a:spcBef>
+              <a:spcAft>
+                <a:spcPts val="0"/>
+              </a:spcAft>
+              <a:buNone/>
+            </a:pPr>
+            <a:endParaRPr dirty="0"/>
           </a:p>
         </p:txBody>
       </p:sp>
@@ -10941,8 +11481,8 @@
         </p:nvSpPr>
         <p:spPr>
           <a:xfrm>
-            <a:off x="304525" y="1513075"/>
-            <a:ext cx="4740600" cy="3000000"/>
+            <a:off x="304524" y="1513075"/>
+            <a:ext cx="4904375" cy="5590458"/>
           </a:xfrm>
           <a:prstGeom prst="rect">
             <a:avLst/>
@@ -10968,36 +11508,36 @@
               <a:buNone/>
             </a:pPr>
             <a:br>
-              <a:rPr lang="en-US" sz="2400"/>
+              <a:rPr lang="en-US" sz="2400" dirty="0"/>
             </a:br>
             <a:r>
-              <a:rPr lang="en-US" sz="2400"/>
+              <a:rPr lang="en-US" sz="2400" dirty="0"/>
               <a:t>Normal forms are standard rules for structuring a database to reduce redundancy and increase data integrity.</a:t>
             </a:r>
             <a:br>
-              <a:rPr lang="en-US" sz="2400"/>
+              <a:rPr lang="en-US" sz="2400" dirty="0"/>
             </a:br>
             <a:br>
-              <a:rPr lang="en-US" sz="2400"/>
+              <a:rPr lang="en-US" sz="2400" dirty="0"/>
             </a:br>
             <a:r>
-              <a:rPr lang="en-US" sz="2400"/>
+              <a:rPr lang="en-US" sz="2400" dirty="0"/>
               <a:t>In essence, the rules serve to minimize space costs and error costs.</a:t>
             </a:r>
             <a:br>
-              <a:rPr lang="en-US" sz="2400"/>
+              <a:rPr lang="en-US" sz="2400" dirty="0"/>
             </a:br>
             <a:br>
-              <a:rPr lang="en-US" sz="2400"/>
+              <a:rPr lang="en-US" sz="2400" dirty="0"/>
             </a:br>
             <a:r>
-              <a:rPr lang="en-US" sz="2400"/>
+              <a:rPr lang="en-US" sz="2400" dirty="0"/>
               <a:t>Denormalization involves selectively increasing redundancy to improve speed performance and reduce query complexity.</a:t>
             </a:r>
             <a:br>
-              <a:rPr lang="en-US" sz="2400" b="1"/>
+              <a:rPr lang="en-US" sz="2400" b="1" dirty="0"/>
             </a:br>
-            <a:endParaRPr sz="2400"/>
+            <a:endParaRPr sz="2400" dirty="0"/>
           </a:p>
           <a:p>
             <a:pPr marL="0" lvl="0" indent="0" algn="l" rtl="0">
@@ -11009,7 +11549,7 @@
               </a:spcAft>
               <a:buNone/>
             </a:pPr>
-            <a:endParaRPr sz="1800"/>
+            <a:endParaRPr sz="1800" dirty="0"/>
           </a:p>
           <a:p>
             <a:pPr marL="0" lvl="0" indent="0" algn="l" rtl="0">
@@ -11021,7 +11561,7 @@
               </a:spcAft>
               <a:buNone/>
             </a:pPr>
-            <a:endParaRPr sz="1800"/>
+            <a:endParaRPr sz="1800" dirty="0"/>
           </a:p>
           <a:p>
             <a:pPr marL="0" lvl="0" indent="0" algn="l" rtl="0">
@@ -11033,7 +11573,7 @@
               </a:spcAft>
               <a:buNone/>
             </a:pPr>
-            <a:endParaRPr sz="1800"/>
+            <a:endParaRPr sz="1800" dirty="0"/>
           </a:p>
           <a:p>
             <a:pPr marL="0" lvl="0" indent="0" algn="l" rtl="0">
@@ -11046,10 +11586,10 @@
               <a:buNone/>
             </a:pPr>
             <a:r>
-              <a:rPr lang="en-US" sz="1800"/>
+              <a:rPr lang="en-US" sz="1800" dirty="0"/>
               <a:t> </a:t>
             </a:r>
-            <a:endParaRPr sz="1800"/>
+            <a:endParaRPr sz="1800" dirty="0"/>
           </a:p>
         </p:txBody>
       </p:sp>
@@ -11091,15 +11631,15 @@
               <a:buNone/>
             </a:pPr>
             <a:r>
-              <a:rPr lang="en-US" sz="2000"/>
+              <a:rPr lang="en-US" sz="2000" dirty="0"/>
               <a:t>E</a:t>
             </a:r>
             <a:r>
-              <a:rPr lang="en-US" sz="2200"/>
+              <a:rPr lang="en-US" sz="2200" dirty="0"/>
               <a:t>very non-prime key attribute must provide a fact about</a:t>
             </a:r>
             <a:r>
-              <a:rPr lang="en-US" sz="2200">
+              <a:rPr lang="en-US" sz="2200" dirty="0">
                 <a:solidFill>
                   <a:srgbClr val="DADADA"/>
                 </a:solidFill>
@@ -11107,7 +11647,7 @@
               <a:t> </a:t>
             </a:r>
             <a:r>
-              <a:rPr lang="en-US" sz="2200">
+              <a:rPr lang="en-US" sz="2200" dirty="0">
                 <a:solidFill>
                   <a:srgbClr val="FF0000"/>
                 </a:solidFill>
@@ -11115,7 +11655,7 @@
               <a:t>the key</a:t>
             </a:r>
             <a:r>
-              <a:rPr lang="en-US" sz="2200">
+              <a:rPr lang="en-US" sz="2200" dirty="0">
                 <a:solidFill>
                   <a:srgbClr val="DADADA"/>
                 </a:solidFill>
@@ -11123,7 +11663,7 @@
               <a:t>, </a:t>
             </a:r>
             <a:r>
-              <a:rPr lang="en-US" sz="2200">
+              <a:rPr lang="en-US" sz="2200" dirty="0">
                 <a:solidFill>
                   <a:srgbClr val="00B050"/>
                 </a:solidFill>
@@ -11131,7 +11671,7 @@
               <a:t>the whole key</a:t>
             </a:r>
             <a:r>
-              <a:rPr lang="en-US" sz="2200">
+              <a:rPr lang="en-US" sz="2200" dirty="0">
                 <a:solidFill>
                   <a:srgbClr val="DADADA"/>
                 </a:solidFill>
@@ -11139,11 +11679,11 @@
               <a:t>, </a:t>
             </a:r>
             <a:r>
-              <a:rPr lang="en-US" sz="2200"/>
+              <a:rPr lang="en-US" sz="2200" dirty="0"/>
               <a:t>and</a:t>
             </a:r>
             <a:r>
-              <a:rPr lang="en-US" sz="2200">
+              <a:rPr lang="en-US" sz="2200" dirty="0">
                 <a:solidFill>
                   <a:srgbClr val="DADADA"/>
                 </a:solidFill>
@@ -11151,7 +11691,7 @@
               <a:t> </a:t>
             </a:r>
             <a:r>
-              <a:rPr lang="en-US" sz="2200">
+              <a:rPr lang="en-US" sz="2200" dirty="0">
                 <a:solidFill>
                   <a:srgbClr val="00B0F0"/>
                 </a:solidFill>
@@ -11159,14 +11699,14 @@
               <a:t>nothing but the key</a:t>
             </a:r>
             <a:r>
-              <a:rPr lang="en-US" sz="2200">
+              <a:rPr lang="en-US" sz="2200" dirty="0">
                 <a:solidFill>
                   <a:srgbClr val="DADADA"/>
                 </a:solidFill>
               </a:rPr>
               <a:t>.</a:t>
             </a:r>
-            <a:endParaRPr sz="2200">
+            <a:endParaRPr sz="2200" dirty="0">
               <a:solidFill>
                 <a:srgbClr val="DADADA"/>
               </a:solidFill>
@@ -11186,14 +11726,14 @@
               <a:buNone/>
             </a:pPr>
             <a:r>
-              <a:rPr lang="en-US" sz="2200">
+              <a:rPr lang="en-US" sz="2200" dirty="0">
                 <a:solidFill>
                   <a:srgbClr val="FF0000"/>
                 </a:solidFill>
               </a:rPr>
               <a:t>1NF: first normal form</a:t>
             </a:r>
-            <a:endParaRPr sz="2200">
+            <a:endParaRPr sz="2200" dirty="0">
               <a:solidFill>
                 <a:srgbClr val="FF0000"/>
               </a:solidFill>
@@ -11213,14 +11753,14 @@
               <a:buNone/>
             </a:pPr>
             <a:r>
-              <a:rPr lang="en-US" sz="2200">
+              <a:rPr lang="en-US" sz="2200" dirty="0">
                 <a:solidFill>
                   <a:srgbClr val="00B050"/>
                 </a:solidFill>
               </a:rPr>
               <a:t>2NF: second normal form</a:t>
             </a:r>
-            <a:endParaRPr sz="2200">
+            <a:endParaRPr sz="2200" dirty="0">
               <a:solidFill>
                 <a:srgbClr val="00B050"/>
               </a:solidFill>
@@ -11240,14 +11780,14 @@
               <a:buNone/>
             </a:pPr>
             <a:r>
-              <a:rPr lang="en-US" sz="2200">
+              <a:rPr lang="en-US" sz="2200" dirty="0">
                 <a:solidFill>
                   <a:srgbClr val="00B0F0"/>
                 </a:solidFill>
               </a:rPr>
               <a:t>3NF: third normal form</a:t>
             </a:r>
-            <a:endParaRPr sz="2200">
+            <a:endParaRPr sz="2200" dirty="0">
               <a:solidFill>
                 <a:srgbClr val="00B0F0"/>
               </a:solidFill>
@@ -11592,7 +12132,7 @@
         </p:nvGraphicFramePr>
         <p:xfrm>
           <a:off x="6465800" y="2451525"/>
-          <a:ext cx="3000000" cy="3000000"/>
+          <a:ext cx="4810125" cy="1923796"/>
         </p:xfrm>
         <a:graphic>
           <a:graphicData uri="http://schemas.openxmlformats.org/drawingml/2006/table">
@@ -12190,7 +12730,7 @@
                         <a:buNone/>
                       </a:pPr>
                       <a:r>
-                        <a:rPr lang="en-US" sz="1050" b="1">
+                        <a:rPr lang="en-US" sz="1050" b="1" dirty="0">
                           <a:latin typeface="Calibri"/>
                           <a:ea typeface="Calibri"/>
                           <a:cs typeface="Calibri"/>
@@ -12198,7 +12738,7 @@
                         </a:rPr>
                         <a:t>Redmond, WA</a:t>
                       </a:r>
-                      <a:endParaRPr sz="1050" b="1">
+                      <a:endParaRPr sz="1050" b="1" dirty="0">
                         <a:latin typeface="Calibri"/>
                         <a:ea typeface="Calibri"/>
                         <a:cs typeface="Calibri"/>
@@ -13977,7 +14517,7 @@
                         <a:buNone/>
                       </a:pPr>
                       <a:r>
-                        <a:rPr lang="en-US" sz="1050" b="1">
+                        <a:rPr lang="en-US" sz="1050" b="1" dirty="0">
                           <a:latin typeface="Calibri"/>
                           <a:ea typeface="Calibri"/>
                           <a:cs typeface="Calibri"/>
@@ -13985,7 +14525,7 @@
                         </a:rPr>
                         <a:t>ORCL</a:t>
                       </a:r>
-                      <a:endParaRPr sz="1050" b="1">
+                      <a:endParaRPr sz="1050" b="1" dirty="0">
                         <a:latin typeface="Calibri"/>
                         <a:ea typeface="Calibri"/>
                         <a:cs typeface="Calibri"/>
@@ -14196,7 +14736,7 @@
                         <a:buNone/>
                       </a:pPr>
                       <a:r>
-                        <a:rPr lang="en-US" sz="1050" b="1">
+                        <a:rPr lang="en-US" sz="1050" b="1" dirty="0">
                           <a:latin typeface="Calibri"/>
                           <a:ea typeface="Calibri"/>
                           <a:cs typeface="Calibri"/>
@@ -14204,7 +14744,7 @@
                         </a:rPr>
                         <a:t>24.33</a:t>
                       </a:r>
-                      <a:endParaRPr sz="1050" b="1">
+                      <a:endParaRPr sz="1050" b="1" dirty="0">
                         <a:latin typeface="Calibri"/>
                         <a:ea typeface="Calibri"/>
                         <a:cs typeface="Calibri"/>
@@ -14567,7 +15107,7 @@
         </p:nvGraphicFramePr>
         <p:xfrm>
           <a:off x="6641163" y="1884900"/>
-          <a:ext cx="3000000" cy="3000000"/>
+          <a:ext cx="4810125" cy="1923796"/>
         </p:xfrm>
         <a:graphic>
           <a:graphicData uri="http://schemas.openxmlformats.org/drawingml/2006/table">
@@ -17286,7 +17826,7 @@
         </p:nvGraphicFramePr>
         <p:xfrm>
           <a:off x="6260175" y="4302875"/>
-          <a:ext cx="3000000" cy="3000000"/>
+          <a:ext cx="2933700" cy="1052250"/>
         </p:xfrm>
         <a:graphic>
           <a:graphicData uri="http://schemas.openxmlformats.org/drawingml/2006/table">
@@ -18124,7 +18664,7 @@
         </p:nvGraphicFramePr>
         <p:xfrm>
           <a:off x="9378875" y="4320888"/>
-          <a:ext cx="3000000" cy="3000000"/>
+          <a:ext cx="2533650" cy="1923796"/>
         </p:xfrm>
         <a:graphic>
           <a:graphicData uri="http://schemas.openxmlformats.org/drawingml/2006/table">
@@ -19883,13 +20423,13 @@
               <a:buNone/>
             </a:pPr>
             <a:r>
-              <a:rPr lang="en-US" sz="4800"/>
-              <a:t>Dimensional Data Modeling</a:t>
+              <a:rPr lang="en-US" sz="4400" dirty="0"/>
+              <a:t>OLAP - Dimensional Data Modeling</a:t>
             </a:r>
             <a:br>
-              <a:rPr lang="en-US" sz="4800"/>
+              <a:rPr lang="en-US" sz="4800" dirty="0"/>
             </a:br>
-            <a:endParaRPr sz="4800"/>
+            <a:endParaRPr sz="4800" dirty="0"/>
           </a:p>
         </p:txBody>
       </p:sp>
@@ -20023,7 +20563,7 @@
               </a:spcAft>
               <a:buNone/>
             </a:pPr>
-            <a:endParaRPr sz="1800" b="1" u="sng"/>
+            <a:endParaRPr sz="1800" b="1" u="sng" dirty="0"/>
           </a:p>
           <a:p>
             <a:pPr marL="0" lvl="0" indent="0" algn="l" rtl="0">
@@ -20039,14 +20579,14 @@
               <a:buNone/>
             </a:pPr>
             <a:r>
-              <a:rPr lang="en-US" sz="1800" b="1" u="sng"/>
+              <a:rPr lang="en-US" sz="1800" b="1" u="sng" dirty="0"/>
               <a:t>Advantage</a:t>
             </a:r>
             <a:r>
-              <a:rPr lang="en-US" sz="1800"/>
+              <a:rPr lang="en-US" sz="1800" dirty="0"/>
               <a:t>: Simple to model and understand, Simple queries, Fast. </a:t>
             </a:r>
-            <a:endParaRPr sz="1800"/>
+            <a:endParaRPr sz="1800" dirty="0"/>
           </a:p>
           <a:p>
             <a:pPr marL="0" lvl="0" indent="0" algn="l" rtl="0">
@@ -20062,14 +20602,14 @@
               <a:buNone/>
             </a:pPr>
             <a:r>
-              <a:rPr lang="en-US" sz="1800" b="1" u="sng"/>
+              <a:rPr lang="en-US" sz="1800" b="1" u="sng" dirty="0"/>
               <a:t>Disadvantage</a:t>
             </a:r>
             <a:r>
-              <a:rPr lang="en-US" sz="1800"/>
+              <a:rPr lang="en-US" sz="1800" dirty="0"/>
               <a:t>: Increased space cost and  data integrity risk due to redundancies.</a:t>
             </a:r>
-            <a:endParaRPr/>
+            <a:endParaRPr dirty="0"/>
           </a:p>
         </p:txBody>
       </p:sp>
@@ -20303,6 +20843,452 @@
 </file>
 
 <file path=ppt/slides/slide14.xml><?xml version="1.0" encoding="utf-8"?>
+<p:sld xmlns:a="http://schemas.openxmlformats.org/drawingml/2006/main" xmlns:r="http://schemas.openxmlformats.org/officeDocument/2006/relationships" xmlns:p="http://schemas.openxmlformats.org/presentationml/2006/main">
+  <p:cSld>
+    <p:spTree>
+      <p:nvGrpSpPr>
+        <p:cNvPr id="1" name="Shape 297"/>
+        <p:cNvGrpSpPr/>
+        <p:nvPr/>
+      </p:nvGrpSpPr>
+      <p:grpSpPr>
+        <a:xfrm>
+          <a:off x="0" y="0"/>
+          <a:ext cx="0" cy="0"/>
+          <a:chOff x="0" y="0"/>
+          <a:chExt cx="0" cy="0"/>
+        </a:xfrm>
+      </p:grpSpPr>
+      <p:sp>
+        <p:nvSpPr>
+          <p:cNvPr id="298" name="Google Shape;298;p42"/>
+          <p:cNvSpPr txBox="1">
+            <a:spLocks noGrp="1"/>
+          </p:cNvSpPr>
+          <p:nvPr>
+            <p:ph type="ctrTitle"/>
+          </p:nvPr>
+        </p:nvSpPr>
+        <p:spPr>
+          <a:xfrm>
+            <a:off x="913795" y="609600"/>
+            <a:ext cx="10353900" cy="970500"/>
+          </a:xfrm>
+          <a:prstGeom prst="rect">
+            <a:avLst/>
+          </a:prstGeom>
+          <a:noFill/>
+          <a:ln>
+            <a:noFill/>
+          </a:ln>
+          <a:effectLst>
+            <a:outerShdw blurRad="25400">
+              <a:srgbClr val="000000">
+                <a:alpha val="45880"/>
+              </a:srgbClr>
+            </a:outerShdw>
+          </a:effectLst>
+        </p:spPr>
+        <p:txBody>
+          <a:bodyPr spcFirstLastPara="1" wrap="square" lIns="91425" tIns="45700" rIns="91425" bIns="45700" anchor="ctr" anchorCtr="0">
+            <a:noAutofit/>
+          </a:bodyPr>
+          <a:lstStyle/>
+          <a:p>
+            <a:pPr marL="0" lvl="0" indent="0" algn="l" rtl="0">
+              <a:spcBef>
+                <a:spcPts val="0"/>
+              </a:spcBef>
+              <a:spcAft>
+                <a:spcPts val="0"/>
+              </a:spcAft>
+              <a:buClr>
+                <a:schemeClr val="lt2"/>
+              </a:buClr>
+              <a:buSzPts val="4000"/>
+              <a:buFont typeface="Lustria"/>
+              <a:buNone/>
+            </a:pPr>
+            <a:r>
+              <a:rPr lang="en-US" sz="4800" dirty="0"/>
+              <a:t>Exercise – </a:t>
+            </a:r>
+            <a:r>
+              <a:rPr lang="en-US" sz="4800" dirty="0" err="1"/>
+              <a:t>Sakila</a:t>
+            </a:r>
+            <a:r>
+              <a:rPr lang="en-US" sz="4800" dirty="0"/>
+              <a:t> Schema</a:t>
+            </a:r>
+            <a:endParaRPr sz="4800" dirty="0"/>
+          </a:p>
+        </p:txBody>
+      </p:sp>
+      <p:sp>
+        <p:nvSpPr>
+          <p:cNvPr id="299" name="Google Shape;299;p42"/>
+          <p:cNvSpPr txBox="1"/>
+          <p:nvPr/>
+        </p:nvSpPr>
+        <p:spPr>
+          <a:xfrm>
+            <a:off x="234892" y="1880292"/>
+            <a:ext cx="3866592" cy="4677516"/>
+          </a:xfrm>
+          <a:prstGeom prst="rect">
+            <a:avLst/>
+          </a:prstGeom>
+          <a:noFill/>
+          <a:ln>
+            <a:noFill/>
+          </a:ln>
+        </p:spPr>
+        <p:txBody>
+          <a:bodyPr spcFirstLastPara="1" wrap="square" lIns="91425" tIns="91425" rIns="91425" bIns="91425" anchor="t" anchorCtr="0">
+            <a:noAutofit/>
+          </a:bodyPr>
+          <a:lstStyle/>
+          <a:p>
+            <a:pPr marL="0" lvl="0" indent="0" algn="l" rtl="0">
+              <a:spcBef>
+                <a:spcPts val="0"/>
+              </a:spcBef>
+              <a:spcAft>
+                <a:spcPts val="0"/>
+              </a:spcAft>
+              <a:buClr>
+                <a:srgbClr val="000000"/>
+              </a:buClr>
+              <a:buSzPts val="1100"/>
+              <a:buFont typeface="Arial"/>
+              <a:buNone/>
+            </a:pPr>
+            <a:r>
+              <a:rPr lang="en-US" sz="1800" b="1" u="sng" dirty="0">
+                <a:latin typeface="Lato"/>
+                <a:ea typeface="Lato"/>
+                <a:cs typeface="Lato"/>
+                <a:sym typeface="Lato"/>
+              </a:rPr>
+              <a:t>Objective</a:t>
+            </a:r>
+            <a:r>
+              <a:rPr lang="en-US" sz="1800" b="1" dirty="0">
+                <a:latin typeface="Lato"/>
+                <a:ea typeface="Lato"/>
+                <a:cs typeface="Lato"/>
+                <a:sym typeface="Lato"/>
+              </a:rPr>
+              <a:t>  - </a:t>
+            </a:r>
+            <a:r>
+              <a:rPr lang="en-US" sz="1800" dirty="0">
+                <a:latin typeface="Lato"/>
+                <a:ea typeface="Lato"/>
+                <a:cs typeface="Lato"/>
+                <a:sym typeface="Lato"/>
+              </a:rPr>
+              <a:t>Utilize the </a:t>
+            </a:r>
+            <a:r>
+              <a:rPr lang="en-US" sz="1800" dirty="0" err="1">
+                <a:latin typeface="Lato"/>
+                <a:ea typeface="Lato"/>
+                <a:cs typeface="Lato"/>
+                <a:sym typeface="Lato"/>
+              </a:rPr>
+              <a:t>Sakila</a:t>
+            </a:r>
+            <a:r>
+              <a:rPr lang="en-US" sz="1800" dirty="0">
+                <a:latin typeface="Lato"/>
+                <a:ea typeface="Lato"/>
+                <a:cs typeface="Lato"/>
+                <a:sym typeface="Lato"/>
+              </a:rPr>
+              <a:t> Schema to identify the following: </a:t>
+            </a:r>
+          </a:p>
+          <a:p>
+            <a:pPr marL="0" lvl="0" indent="0" algn="l" rtl="0">
+              <a:spcBef>
+                <a:spcPts val="0"/>
+              </a:spcBef>
+              <a:spcAft>
+                <a:spcPts val="0"/>
+              </a:spcAft>
+              <a:buClr>
+                <a:srgbClr val="000000"/>
+              </a:buClr>
+              <a:buSzPts val="1100"/>
+              <a:buFont typeface="Arial"/>
+              <a:buNone/>
+            </a:pPr>
+            <a:endParaRPr lang="en-US" sz="1800" b="1" dirty="0">
+              <a:latin typeface="Lato"/>
+              <a:ea typeface="Lato"/>
+              <a:cs typeface="Lato"/>
+              <a:sym typeface="Lato"/>
+            </a:endParaRPr>
+          </a:p>
+          <a:p>
+            <a:pPr marL="0" lvl="0" indent="0" algn="l" rtl="0">
+              <a:spcBef>
+                <a:spcPts val="0"/>
+              </a:spcBef>
+              <a:spcAft>
+                <a:spcPts val="0"/>
+              </a:spcAft>
+              <a:buClr>
+                <a:srgbClr val="000000"/>
+              </a:buClr>
+              <a:buSzPts val="1100"/>
+              <a:buFont typeface="Arial"/>
+              <a:buNone/>
+            </a:pPr>
+            <a:r>
+              <a:rPr lang="en-US" sz="1800" b="1" dirty="0">
+                <a:latin typeface="Lato"/>
+                <a:ea typeface="Lato"/>
+                <a:cs typeface="Lato"/>
+                <a:sym typeface="Lato"/>
+              </a:rPr>
+              <a:t>1. Identify the ENTITIES and ATTRIBUTES of the schema. </a:t>
+            </a:r>
+            <a:br>
+              <a:rPr lang="en-US" sz="1800" b="1" dirty="0">
+                <a:latin typeface="Lato"/>
+                <a:ea typeface="Lato"/>
+                <a:cs typeface="Lato"/>
+                <a:sym typeface="Lato"/>
+              </a:rPr>
+            </a:br>
+            <a:endParaRPr lang="en-US" sz="1600" b="1" dirty="0">
+              <a:latin typeface="Lato"/>
+              <a:ea typeface="Lato"/>
+              <a:cs typeface="Lato"/>
+              <a:sym typeface="Lato"/>
+            </a:endParaRPr>
+          </a:p>
+          <a:p>
+            <a:pPr lvl="0">
+              <a:buSzPts val="1100"/>
+            </a:pPr>
+            <a:r>
+              <a:rPr lang="en-US" sz="1800" b="1" dirty="0">
+                <a:latin typeface="Lato"/>
+                <a:ea typeface="Lato"/>
+                <a:cs typeface="Lato"/>
+                <a:sym typeface="Lato"/>
+              </a:rPr>
+              <a:t>2. Is the FILM table in 1</a:t>
+            </a:r>
+            <a:r>
+              <a:rPr lang="en-US" sz="1800" b="1" baseline="30000" dirty="0">
+                <a:latin typeface="Lato"/>
+                <a:ea typeface="Lato"/>
+                <a:cs typeface="Lato"/>
+                <a:sym typeface="Lato"/>
+              </a:rPr>
+              <a:t>st</a:t>
+            </a:r>
+            <a:r>
+              <a:rPr lang="en-US" sz="1800" b="1" dirty="0">
+                <a:latin typeface="Lato"/>
+                <a:ea typeface="Lato"/>
+                <a:cs typeface="Lato"/>
+                <a:sym typeface="Lato"/>
+              </a:rPr>
+              <a:t> normal form?   If so, why? </a:t>
+            </a:r>
+          </a:p>
+          <a:p>
+            <a:pPr lvl="0">
+              <a:buSzPts val="1100"/>
+            </a:pPr>
+            <a:endParaRPr lang="en-US" sz="1800" b="1" dirty="0">
+              <a:latin typeface="Lato"/>
+              <a:ea typeface="Lato"/>
+              <a:cs typeface="Lato"/>
+              <a:sym typeface="Lato"/>
+            </a:endParaRPr>
+          </a:p>
+          <a:p>
+            <a:pPr>
+              <a:buSzPts val="1100"/>
+            </a:pPr>
+            <a:r>
+              <a:rPr lang="en-US" sz="1800" b="1" dirty="0">
+                <a:latin typeface="Lato"/>
+                <a:ea typeface="Lato"/>
+                <a:cs typeface="Lato"/>
+                <a:sym typeface="Lato"/>
+              </a:rPr>
+              <a:t>3. Can you name a relationship that is in (at least) 2</a:t>
+            </a:r>
+            <a:r>
+              <a:rPr lang="en-US" sz="1800" b="1" baseline="30000" dirty="0">
+                <a:latin typeface="Lato"/>
+                <a:ea typeface="Lato"/>
+                <a:cs typeface="Lato"/>
+                <a:sym typeface="Lato"/>
+              </a:rPr>
+              <a:t>nd</a:t>
+            </a:r>
+            <a:r>
+              <a:rPr lang="en-US" sz="1800" b="1" dirty="0">
+                <a:latin typeface="Lato"/>
+                <a:ea typeface="Lato"/>
+                <a:cs typeface="Lato"/>
+                <a:sym typeface="Lato"/>
+              </a:rPr>
+              <a:t> normal form? </a:t>
+            </a:r>
+          </a:p>
+          <a:p>
+            <a:pPr>
+              <a:buSzPts val="1100"/>
+            </a:pPr>
+            <a:endParaRPr lang="en-US" sz="1800" b="1" dirty="0">
+              <a:latin typeface="Lato"/>
+              <a:ea typeface="Lato"/>
+              <a:cs typeface="Lato"/>
+              <a:sym typeface="Lato"/>
+            </a:endParaRPr>
+          </a:p>
+          <a:p>
+            <a:pPr>
+              <a:buSzPts val="1100"/>
+            </a:pPr>
+            <a:r>
+              <a:rPr lang="en-US" sz="1800" b="1" dirty="0">
+                <a:latin typeface="Lato"/>
+                <a:ea typeface="Lato"/>
+                <a:cs typeface="Lato"/>
+                <a:sym typeface="Lato"/>
+              </a:rPr>
+              <a:t>4.  Find the following relationships in the schema:  </a:t>
+            </a:r>
+          </a:p>
+          <a:p>
+            <a:pPr>
+              <a:buSzPts val="1100"/>
+            </a:pPr>
+            <a:r>
+              <a:rPr lang="en-US" sz="1800" b="1" dirty="0">
+                <a:latin typeface="Lato"/>
+                <a:ea typeface="Lato"/>
+                <a:cs typeface="Lato"/>
+                <a:sym typeface="Lato"/>
+              </a:rPr>
+              <a:t>a) Mandatory One</a:t>
+            </a:r>
+            <a:r>
+              <a:rPr lang="en-US" sz="1800" b="1" dirty="0">
+                <a:latin typeface="Lato"/>
+                <a:ea typeface="Lato"/>
+                <a:cs typeface="Lato"/>
+                <a:sym typeface="Wingdings" panose="05000000000000000000" pitchFamily="2" charset="2"/>
+              </a:rPr>
+              <a:t> Optional </a:t>
+            </a:r>
+            <a:r>
+              <a:rPr lang="en-US" sz="1800" b="1" dirty="0">
+                <a:latin typeface="Lato"/>
+                <a:ea typeface="Lato"/>
+                <a:cs typeface="Lato"/>
+                <a:sym typeface="Lato"/>
+              </a:rPr>
+              <a:t>Many</a:t>
+            </a:r>
+          </a:p>
+          <a:p>
+            <a:pPr lvl="0">
+              <a:buSzPts val="1100"/>
+            </a:pPr>
+            <a:r>
+              <a:rPr lang="en-US" sz="1800" b="1" dirty="0">
+                <a:latin typeface="Lato"/>
+                <a:ea typeface="Lato"/>
+                <a:cs typeface="Lato"/>
+                <a:sym typeface="Lato"/>
+              </a:rPr>
+              <a:t>b) Optional One </a:t>
+            </a:r>
+            <a:r>
+              <a:rPr lang="en-US" sz="1800" b="1" dirty="0">
+                <a:latin typeface="Lato"/>
+                <a:ea typeface="Lato"/>
+                <a:cs typeface="Lato"/>
+                <a:sym typeface="Wingdings" panose="05000000000000000000" pitchFamily="2" charset="2"/>
+              </a:rPr>
+              <a:t> Optional Many</a:t>
+            </a:r>
+          </a:p>
+        </p:txBody>
+      </p:sp>
+      <p:pic>
+        <p:nvPicPr>
+          <p:cNvPr id="1026" name="Picture 2" descr="The Sakila Database ERD">
+            <a:extLst>
+              <a:ext uri="{FF2B5EF4-FFF2-40B4-BE49-F238E27FC236}">
+                <a16:creationId xmlns:a16="http://schemas.microsoft.com/office/drawing/2014/main" id="{D608062B-D37D-479E-9C1A-F12716437725}"/>
+              </a:ext>
+            </a:extLst>
+          </p:cNvPr>
+          <p:cNvPicPr>
+            <a:picLocks noChangeAspect="1" noChangeArrowheads="1"/>
+          </p:cNvPicPr>
+          <p:nvPr/>
+        </p:nvPicPr>
+        <p:blipFill>
+          <a:blip r:embed="rId3">
+            <a:extLst>
+              <a:ext uri="{28A0092B-C50C-407E-A947-70E740481C1C}">
+                <a14:useLocalDpi xmlns:a14="http://schemas.microsoft.com/office/drawing/2010/main" val="0"/>
+              </a:ext>
+            </a:extLst>
+          </a:blip>
+          <a:srcRect/>
+          <a:stretch>
+            <a:fillRect/>
+          </a:stretch>
+        </p:blipFill>
+        <p:spPr bwMode="auto">
+          <a:xfrm>
+            <a:off x="4199402" y="1580100"/>
+            <a:ext cx="7992598" cy="5277900"/>
+          </a:xfrm>
+          <a:prstGeom prst="rect">
+            <a:avLst/>
+          </a:prstGeom>
+          <a:noFill/>
+          <a:extLst>
+            <a:ext uri="{909E8E84-426E-40DD-AFC4-6F175D3DCCD1}">
+              <a14:hiddenFill xmlns:a14="http://schemas.microsoft.com/office/drawing/2010/main">
+                <a:solidFill>
+                  <a:srgbClr val="FFFFFF"/>
+                </a:solidFill>
+              </a14:hiddenFill>
+            </a:ext>
+          </a:extLst>
+        </p:spPr>
+      </p:pic>
+    </p:spTree>
+    <p:extLst>
+      <p:ext uri="{BB962C8B-B14F-4D97-AF65-F5344CB8AC3E}">
+        <p14:creationId xmlns:p14="http://schemas.microsoft.com/office/powerpoint/2010/main" val="750556440"/>
+      </p:ext>
+    </p:extLst>
+  </p:cSld>
+  <p:clrMapOvr>
+    <a:masterClrMapping/>
+  </p:clrMapOvr>
+</p:sld>
+</file>
+
+<file path=ppt/slides/slide15.xml><?xml version="1.0" encoding="utf-8"?>
 <p:sld xmlns:a="http://schemas.openxmlformats.org/drawingml/2006/main" xmlns:r="http://schemas.openxmlformats.org/officeDocument/2006/relationships" xmlns:p="http://schemas.openxmlformats.org/presentationml/2006/main">
   <p:cSld>
     <p:spTree>
@@ -25030,10 +26016,10 @@
               <a:buNone/>
             </a:pPr>
             <a:r>
-              <a:rPr lang="en-US" sz="3000"/>
+              <a:rPr lang="en-US" sz="3000" dirty="0"/>
               <a:t>Purpose of Database Modeling</a:t>
             </a:r>
-            <a:endParaRPr sz="3000"/>
+            <a:endParaRPr sz="3000" dirty="0"/>
           </a:p>
           <a:p>
             <a:pPr marL="609600" lvl="0" indent="-304800" algn="l" rtl="0">
@@ -25050,10 +26036,10 @@
               <a:buNone/>
             </a:pPr>
             <a:r>
-              <a:rPr lang="en-US" sz="3000"/>
+              <a:rPr lang="en-US" sz="3000" dirty="0"/>
               <a:t>Entity-Relationship Diagrams</a:t>
             </a:r>
-            <a:endParaRPr sz="3000"/>
+            <a:endParaRPr sz="3000" dirty="0"/>
           </a:p>
           <a:p>
             <a:pPr marL="609600" lvl="0" indent="-304800" algn="l" rtl="0">
@@ -25070,10 +26056,10 @@
               <a:buNone/>
             </a:pPr>
             <a:r>
-              <a:rPr lang="en-US" sz="3000"/>
+              <a:rPr lang="en-US" sz="3000" dirty="0"/>
               <a:t>SQL Constraints &amp; Relational Database Modeling</a:t>
             </a:r>
-            <a:endParaRPr sz="3000"/>
+            <a:endParaRPr sz="3000" dirty="0"/>
           </a:p>
           <a:p>
             <a:pPr marL="609600" lvl="0" indent="-304800" algn="l" rtl="0">
@@ -25090,50 +26076,60 @@
               <a:buNone/>
             </a:pPr>
             <a:r>
-              <a:rPr lang="en-US" sz="3000"/>
+              <a:rPr lang="en-US" sz="3000" dirty="0"/>
               <a:t>Normal Forms: 1NF, 2NF, 3NF</a:t>
             </a:r>
-            <a:endParaRPr sz="3000"/>
+            <a:endParaRPr sz="3000" dirty="0"/>
           </a:p>
           <a:p>
-            <a:pPr marL="609600" lvl="0" indent="-304800" algn="l" rtl="0">
+            <a:pPr marL="609600" indent="-304800">
               <a:lnSpc>
                 <a:spcPct val="150000"/>
               </a:lnSpc>
               <a:spcBef>
                 <a:spcPts val="1000"/>
               </a:spcBef>
-              <a:spcAft>
-                <a:spcPts val="0"/>
-              </a:spcAft>
               <a:buSzPts val="3000"/>
-              <a:buNone/>
             </a:pPr>
             <a:r>
-              <a:rPr lang="en-US" sz="3000"/>
-              <a:t>Dimensional Data Modeling: Kimball</a:t>
-            </a:r>
-            <a:endParaRPr sz="3000"/>
+              <a:rPr lang="en-US" sz="3000" dirty="0"/>
+              <a:t>Analytical Processing - Dimensional Data Modeling</a:t>
+            </a:r>
           </a:p>
           <a:p>
-            <a:pPr marL="609600" lvl="0" indent="-304800" algn="l" rtl="0">
+            <a:pPr marL="609600" indent="-304800">
               <a:lnSpc>
                 <a:spcPct val="150000"/>
               </a:lnSpc>
               <a:spcBef>
                 <a:spcPts val="1000"/>
               </a:spcBef>
-              <a:spcAft>
-                <a:spcPts val="0"/>
-              </a:spcAft>
               <a:buSzPts val="3000"/>
-              <a:buNone/>
             </a:pPr>
             <a:r>
-              <a:rPr lang="en-US" sz="3000"/>
-              <a:t>Database Modeling using Draw.io</a:t>
-            </a:r>
-            <a:endParaRPr sz="3000"/>
+              <a:rPr lang="en-US" sz="3000" dirty="0"/>
+              <a:t>Database Modeling – </a:t>
+            </a:r>
+            <a:r>
+              <a:rPr lang="en-US" sz="3000" dirty="0" err="1"/>
+              <a:t>Sakila</a:t>
+            </a:r>
+            <a:r>
+              <a:rPr lang="en-US" sz="3000" dirty="0"/>
+              <a:t> Database, Covid-19 Dataset</a:t>
+            </a:r>
+          </a:p>
+          <a:p>
+            <a:pPr marL="609600" indent="-304800">
+              <a:lnSpc>
+                <a:spcPct val="150000"/>
+              </a:lnSpc>
+              <a:spcBef>
+                <a:spcPts val="1000"/>
+              </a:spcBef>
+              <a:buSzPts val="3000"/>
+            </a:pPr>
+            <a:endParaRPr lang="en-US" sz="3000" dirty="0"/>
           </a:p>
         </p:txBody>
       </p:sp>
@@ -25228,7 +26224,7 @@
         </p:nvSpPr>
         <p:spPr>
           <a:xfrm>
-            <a:off x="442425" y="2189125"/>
+            <a:off x="467825" y="2146791"/>
             <a:ext cx="4950300" cy="1189800"/>
           </a:xfrm>
           <a:prstGeom prst="rect">
@@ -25254,7 +26250,7 @@
               </a:spcAft>
               <a:buNone/>
             </a:pPr>
-            <a:endParaRPr sz="1800" b="1">
+            <a:endParaRPr sz="1800" b="1" dirty="0">
               <a:latin typeface="Lato"/>
               <a:ea typeface="Lato"/>
               <a:cs typeface="Lato"/>
@@ -25271,7 +26267,7 @@
               </a:spcAft>
               <a:buNone/>
             </a:pPr>
-            <a:endParaRPr sz="1800">
+            <a:endParaRPr sz="1800" dirty="0">
               <a:latin typeface="Lato"/>
               <a:ea typeface="Lato"/>
               <a:cs typeface="Lato"/>
@@ -25290,7 +26286,7 @@
               <a:buChar char="●"/>
             </a:pPr>
             <a:r>
-              <a:rPr lang="en-US" sz="1800" b="1">
+              <a:rPr lang="en-US" sz="1800" b="1" dirty="0">
                 <a:latin typeface="Lato"/>
                 <a:ea typeface="Lato"/>
                 <a:cs typeface="Lato"/>
@@ -25298,7 +26294,7 @@
               </a:rPr>
               <a:t>A map of a database schema</a:t>
             </a:r>
-            <a:endParaRPr sz="1800" b="1">
+            <a:endParaRPr sz="1800" b="1" dirty="0">
               <a:latin typeface="Lato"/>
               <a:ea typeface="Lato"/>
               <a:cs typeface="Lato"/>
@@ -25315,7 +26311,7 @@
               </a:spcAft>
               <a:buNone/>
             </a:pPr>
-            <a:endParaRPr sz="1800" b="1">
+            <a:endParaRPr sz="1800" b="1" dirty="0">
               <a:latin typeface="Lato"/>
               <a:ea typeface="Lato"/>
               <a:cs typeface="Lato"/>
@@ -25334,7 +26330,7 @@
               <a:buChar char="●"/>
             </a:pPr>
             <a:r>
-              <a:rPr lang="en-US" sz="1800" b="1">
+              <a:rPr lang="en-US" sz="1800" b="1" dirty="0">
                 <a:latin typeface="Lato"/>
                 <a:ea typeface="Lato"/>
                 <a:cs typeface="Lato"/>
@@ -25342,7 +26338,7 @@
               </a:rPr>
               <a:t>Data modeling is a process for creating a database’s data model that focuses on the data. (vs. Data Science Modeling)</a:t>
             </a:r>
-            <a:endParaRPr sz="1800" b="1">
+            <a:endParaRPr sz="1800" b="1" dirty="0">
               <a:latin typeface="Lato"/>
               <a:ea typeface="Lato"/>
               <a:cs typeface="Lato"/>
@@ -25359,7 +26355,7 @@
               </a:spcAft>
               <a:buNone/>
             </a:pPr>
-            <a:endParaRPr sz="1800" b="1">
+            <a:endParaRPr sz="1800" b="1" dirty="0">
               <a:latin typeface="Lato"/>
               <a:ea typeface="Lato"/>
               <a:cs typeface="Lato"/>
@@ -25378,7 +26374,7 @@
               <a:buChar char="●"/>
             </a:pPr>
             <a:r>
-              <a:rPr lang="en-US" sz="1800" b="1">
+              <a:rPr lang="en-US" sz="1800" b="1" dirty="0">
                 <a:latin typeface="Lato"/>
                 <a:ea typeface="Lato"/>
                 <a:cs typeface="Lato"/>
@@ -25386,7 +26382,7 @@
               </a:rPr>
               <a:t>The model maps how information is stored and relates to other data.</a:t>
             </a:r>
-            <a:endParaRPr sz="1800" b="1">
+            <a:endParaRPr sz="1800" b="1" dirty="0">
               <a:latin typeface="Lato"/>
               <a:ea typeface="Lato"/>
               <a:cs typeface="Lato"/>
@@ -25403,7 +26399,7 @@
               </a:spcAft>
               <a:buNone/>
             </a:pPr>
-            <a:endParaRPr sz="1800" b="1">
+            <a:endParaRPr sz="1800" b="1" dirty="0">
               <a:latin typeface="Lato"/>
               <a:ea typeface="Lato"/>
               <a:cs typeface="Lato"/>
@@ -25422,7 +26418,7 @@
               <a:buChar char="●"/>
             </a:pPr>
             <a:r>
-              <a:rPr lang="en-US" sz="1800" b="1">
+              <a:rPr lang="en-US" sz="1800" b="1" dirty="0">
                 <a:latin typeface="Lato"/>
                 <a:ea typeface="Lato"/>
                 <a:cs typeface="Lato"/>
@@ -25431,14 +26427,14 @@
               <a:t>Entity-relationship (ER) diagrams are formal mapping processes.</a:t>
             </a:r>
             <a:br>
-              <a:rPr lang="en-US" sz="1800" b="1">
+              <a:rPr lang="en-US" sz="1800" b="1" dirty="0">
                 <a:latin typeface="Lato"/>
                 <a:ea typeface="Lato"/>
                 <a:cs typeface="Lato"/>
                 <a:sym typeface="Lato"/>
               </a:rPr>
             </a:br>
-            <a:endParaRPr sz="1800">
+            <a:endParaRPr sz="1800" dirty="0">
               <a:latin typeface="Lato"/>
               <a:ea typeface="Lato"/>
               <a:cs typeface="Lato"/>
@@ -25482,16 +26478,16 @@
               <a:buNone/>
             </a:pPr>
             <a:r>
-              <a:rPr lang="en-US" sz="2000" b="1">
+              <a:rPr lang="en-US" sz="2000" b="1" dirty="0">
                 <a:latin typeface="Lato"/>
                 <a:ea typeface="Lato"/>
                 <a:cs typeface="Lato"/>
                 <a:sym typeface="Lato"/>
               </a:rPr>
-              <a:t>Database Modeling </a:t>
-            </a:r>
-            <a:r>
-              <a:rPr lang="en-US" sz="2000">
+              <a:t>On-Line Transaction Processing (OLTP) Database Modeling </a:t>
+            </a:r>
+            <a:r>
+              <a:rPr lang="en-US" sz="2000" dirty="0">
                 <a:latin typeface="Lato"/>
                 <a:ea typeface="Lato"/>
                 <a:cs typeface="Lato"/>
@@ -25499,7 +26495,7 @@
               </a:rPr>
               <a:t>is focused on the operation of a particular system - goal is to design a DBMS that captures events. </a:t>
             </a:r>
-            <a:endParaRPr sz="2000"/>
+            <a:endParaRPr sz="2000" dirty="0"/>
           </a:p>
         </p:txBody>
       </p:sp>
@@ -28076,10 +29072,10 @@
               <a:buNone/>
             </a:pPr>
             <a:r>
-              <a:rPr lang="en-US" sz="2000"/>
-              <a:t>Relational Database models convert the conceptual representation of entities (ERD) to a model that can be implemented directly in a database.</a:t>
-            </a:r>
-            <a:endParaRPr sz="2000"/>
+              <a:rPr lang="en-US" sz="2000" dirty="0"/>
+              <a:t>Relational Database models convert the conceptual representation of entities (ERD) to a model that can be implemented directly in a database (Physical Model).</a:t>
+            </a:r>
+            <a:endParaRPr sz="2000" dirty="0"/>
           </a:p>
           <a:p>
             <a:pPr marL="0" lvl="0" indent="0" algn="l" rtl="0">
@@ -28091,7 +29087,7 @@
               </a:spcAft>
               <a:buNone/>
             </a:pPr>
-            <a:endParaRPr sz="1800"/>
+            <a:endParaRPr sz="1800" dirty="0"/>
           </a:p>
         </p:txBody>
       </p:sp>
